--- a/ppt 16-9/0537.为什么不走出.pptx
+++ b/ppt 16-9/0537.为什么不走出.pptx
@@ -129,7 +129,7 @@
           <p:cNvPr id="2" name="标题 1">
             <a:extLst>
               <a:ext uri="{FF2B5EF4-FFF2-40B4-BE49-F238E27FC236}">
-                <a16:creationId xmlns:a16="http://schemas.microsoft.com/office/drawing/2014/main" id="{7C9A23E9-39B0-D11F-FAB6-562B414772E5}"/>
+                <a16:creationId xmlns:a16="http://schemas.microsoft.com/office/drawing/2014/main" id="{FAB575B1-5308-9799-954B-CD35601CBAF9}"/>
               </a:ext>
             </a:extLst>
           </p:cNvPr>
@@ -166,7 +166,7 @@
           <p:cNvPr id="3" name="副标题 2">
             <a:extLst>
               <a:ext uri="{FF2B5EF4-FFF2-40B4-BE49-F238E27FC236}">
-                <a16:creationId xmlns:a16="http://schemas.microsoft.com/office/drawing/2014/main" id="{30872BFE-2F85-F42E-FF9C-C8645199E2BE}"/>
+                <a16:creationId xmlns:a16="http://schemas.microsoft.com/office/drawing/2014/main" id="{24F4C395-313E-125A-5157-1978E24D781B}"/>
               </a:ext>
             </a:extLst>
           </p:cNvPr>
@@ -236,7 +236,7 @@
           <p:cNvPr id="4" name="日期占位符 3">
             <a:extLst>
               <a:ext uri="{FF2B5EF4-FFF2-40B4-BE49-F238E27FC236}">
-                <a16:creationId xmlns:a16="http://schemas.microsoft.com/office/drawing/2014/main" id="{6BA06D60-EA2C-B8D5-6430-C6BAE2B9F9F3}"/>
+                <a16:creationId xmlns:a16="http://schemas.microsoft.com/office/drawing/2014/main" id="{527CD92C-91E0-49F8-50CE-D183DFE6B3E3}"/>
               </a:ext>
             </a:extLst>
           </p:cNvPr>
@@ -252,7 +252,7 @@
           <a:bodyPr/>
           <a:lstStyle/>
           <a:p>
-            <a:fld id="{13B24BC2-4D11-4A27-8F77-6186757228ED}" type="datetimeFigureOut">
+            <a:fld id="{D18C52A5-EB11-4527-8225-C573C70A78DD}" type="datetimeFigureOut">
               <a:rPr lang="zh-CN" altLang="en-US" smtClean="0"/>
               <a:t>2024/3/10</a:t>
             </a:fld>
@@ -265,7 +265,7 @@
           <p:cNvPr id="5" name="页脚占位符 4">
             <a:extLst>
               <a:ext uri="{FF2B5EF4-FFF2-40B4-BE49-F238E27FC236}">
-                <a16:creationId xmlns:a16="http://schemas.microsoft.com/office/drawing/2014/main" id="{FF2894DD-D6C8-5215-1DA3-C5530081B056}"/>
+                <a16:creationId xmlns:a16="http://schemas.microsoft.com/office/drawing/2014/main" id="{A406DE1F-0922-7BC6-5B40-8172078E25E2}"/>
               </a:ext>
             </a:extLst>
           </p:cNvPr>
@@ -290,7 +290,7 @@
           <p:cNvPr id="6" name="灯片编号占位符 5">
             <a:extLst>
               <a:ext uri="{FF2B5EF4-FFF2-40B4-BE49-F238E27FC236}">
-                <a16:creationId xmlns:a16="http://schemas.microsoft.com/office/drawing/2014/main" id="{AC6C04DB-9301-3D4D-EF93-412ED55649CD}"/>
+                <a16:creationId xmlns:a16="http://schemas.microsoft.com/office/drawing/2014/main" id="{6854765F-EC9C-6DA3-CC74-86DD2104FC99}"/>
               </a:ext>
             </a:extLst>
           </p:cNvPr>
@@ -306,7 +306,7 @@
           <a:bodyPr/>
           <a:lstStyle/>
           <a:p>
-            <a:fld id="{5CAD850A-E263-41A4-B4C7-C6335412CD7F}" type="slidenum">
+            <a:fld id="{B4A0943E-9032-46AC-9712-1F43395486DD}" type="slidenum">
               <a:rPr lang="zh-CN" altLang="en-US" smtClean="0"/>
               <a:t>‹#›</a:t>
             </a:fld>
@@ -317,7 +317,7 @@
     </p:spTree>
     <p:extLst>
       <p:ext uri="{BB962C8B-B14F-4D97-AF65-F5344CB8AC3E}">
-        <p14:creationId xmlns:p14="http://schemas.microsoft.com/office/powerpoint/2010/main" val="1295490414"/>
+        <p14:creationId xmlns:p14="http://schemas.microsoft.com/office/powerpoint/2010/main" val="278036250"/>
       </p:ext>
     </p:extLst>
   </p:cSld>
@@ -349,7 +349,7 @@
           <p:cNvPr id="2" name="标题 1">
             <a:extLst>
               <a:ext uri="{FF2B5EF4-FFF2-40B4-BE49-F238E27FC236}">
-                <a16:creationId xmlns:a16="http://schemas.microsoft.com/office/drawing/2014/main" id="{27533118-50F3-3D2A-EF02-CEAAF7E3A806}"/>
+                <a16:creationId xmlns:a16="http://schemas.microsoft.com/office/drawing/2014/main" id="{3FBA508A-6A24-BA8D-9DF5-F6719FB4DC59}"/>
               </a:ext>
             </a:extLst>
           </p:cNvPr>
@@ -377,7 +377,7 @@
           <p:cNvPr id="3" name="竖排文字占位符 2">
             <a:extLst>
               <a:ext uri="{FF2B5EF4-FFF2-40B4-BE49-F238E27FC236}">
-                <a16:creationId xmlns:a16="http://schemas.microsoft.com/office/drawing/2014/main" id="{6C455337-59C7-8931-C3B4-114889ED19FE}"/>
+                <a16:creationId xmlns:a16="http://schemas.microsoft.com/office/drawing/2014/main" id="{03642F00-C2FB-74BB-F24E-8FA6C997419D}"/>
               </a:ext>
             </a:extLst>
           </p:cNvPr>
@@ -434,7 +434,7 @@
           <p:cNvPr id="4" name="日期占位符 3">
             <a:extLst>
               <a:ext uri="{FF2B5EF4-FFF2-40B4-BE49-F238E27FC236}">
-                <a16:creationId xmlns:a16="http://schemas.microsoft.com/office/drawing/2014/main" id="{16B00A47-975F-77AF-AC8E-E4DF520D8451}"/>
+                <a16:creationId xmlns:a16="http://schemas.microsoft.com/office/drawing/2014/main" id="{90870A6A-00FB-7CFC-9CE0-13BA0409FDE1}"/>
               </a:ext>
             </a:extLst>
           </p:cNvPr>
@@ -450,7 +450,7 @@
           <a:bodyPr/>
           <a:lstStyle/>
           <a:p>
-            <a:fld id="{13B24BC2-4D11-4A27-8F77-6186757228ED}" type="datetimeFigureOut">
+            <a:fld id="{D18C52A5-EB11-4527-8225-C573C70A78DD}" type="datetimeFigureOut">
               <a:rPr lang="zh-CN" altLang="en-US" smtClean="0"/>
               <a:t>2024/3/10</a:t>
             </a:fld>
@@ -463,7 +463,7 @@
           <p:cNvPr id="5" name="页脚占位符 4">
             <a:extLst>
               <a:ext uri="{FF2B5EF4-FFF2-40B4-BE49-F238E27FC236}">
-                <a16:creationId xmlns:a16="http://schemas.microsoft.com/office/drawing/2014/main" id="{F979E5EB-C3D2-1E1C-983C-348754B08DE0}"/>
+                <a16:creationId xmlns:a16="http://schemas.microsoft.com/office/drawing/2014/main" id="{A45B6DD9-0769-0138-BC36-0101018ED104}"/>
               </a:ext>
             </a:extLst>
           </p:cNvPr>
@@ -488,7 +488,7 @@
           <p:cNvPr id="6" name="灯片编号占位符 5">
             <a:extLst>
               <a:ext uri="{FF2B5EF4-FFF2-40B4-BE49-F238E27FC236}">
-                <a16:creationId xmlns:a16="http://schemas.microsoft.com/office/drawing/2014/main" id="{610947B4-DBC7-E468-BF6F-15A4DBBD1FD1}"/>
+                <a16:creationId xmlns:a16="http://schemas.microsoft.com/office/drawing/2014/main" id="{9C898789-B04D-64B9-DED8-79178419DACE}"/>
               </a:ext>
             </a:extLst>
           </p:cNvPr>
@@ -504,7 +504,7 @@
           <a:bodyPr/>
           <a:lstStyle/>
           <a:p>
-            <a:fld id="{5CAD850A-E263-41A4-B4C7-C6335412CD7F}" type="slidenum">
+            <a:fld id="{B4A0943E-9032-46AC-9712-1F43395486DD}" type="slidenum">
               <a:rPr lang="zh-CN" altLang="en-US" smtClean="0"/>
               <a:t>‹#›</a:t>
             </a:fld>
@@ -515,7 +515,7 @@
     </p:spTree>
     <p:extLst>
       <p:ext uri="{BB962C8B-B14F-4D97-AF65-F5344CB8AC3E}">
-        <p14:creationId xmlns:p14="http://schemas.microsoft.com/office/powerpoint/2010/main" val="3627404307"/>
+        <p14:creationId xmlns:p14="http://schemas.microsoft.com/office/powerpoint/2010/main" val="3852245378"/>
       </p:ext>
     </p:extLst>
   </p:cSld>
@@ -547,7 +547,7 @@
           <p:cNvPr id="2" name="竖排标题 1">
             <a:extLst>
               <a:ext uri="{FF2B5EF4-FFF2-40B4-BE49-F238E27FC236}">
-                <a16:creationId xmlns:a16="http://schemas.microsoft.com/office/drawing/2014/main" id="{8713ED84-8364-BD60-4248-F166A85B1577}"/>
+                <a16:creationId xmlns:a16="http://schemas.microsoft.com/office/drawing/2014/main" id="{8C2D7C01-94E2-45CA-3001-232EC3F2799D}"/>
               </a:ext>
             </a:extLst>
           </p:cNvPr>
@@ -580,7 +580,7 @@
           <p:cNvPr id="3" name="竖排文字占位符 2">
             <a:extLst>
               <a:ext uri="{FF2B5EF4-FFF2-40B4-BE49-F238E27FC236}">
-                <a16:creationId xmlns:a16="http://schemas.microsoft.com/office/drawing/2014/main" id="{BC8E2B19-11B9-8A0F-DB68-8DF67AF17CEE}"/>
+                <a16:creationId xmlns:a16="http://schemas.microsoft.com/office/drawing/2014/main" id="{50EDA0AD-9CEF-F946-7908-2C3F966B2295}"/>
               </a:ext>
             </a:extLst>
           </p:cNvPr>
@@ -642,7 +642,7 @@
           <p:cNvPr id="4" name="日期占位符 3">
             <a:extLst>
               <a:ext uri="{FF2B5EF4-FFF2-40B4-BE49-F238E27FC236}">
-                <a16:creationId xmlns:a16="http://schemas.microsoft.com/office/drawing/2014/main" id="{A20A9479-E90A-4D5B-51AE-2283AE5DAA02}"/>
+                <a16:creationId xmlns:a16="http://schemas.microsoft.com/office/drawing/2014/main" id="{58246797-797D-2C45-44B9-5E32B846288B}"/>
               </a:ext>
             </a:extLst>
           </p:cNvPr>
@@ -658,7 +658,7 @@
           <a:bodyPr/>
           <a:lstStyle/>
           <a:p>
-            <a:fld id="{13B24BC2-4D11-4A27-8F77-6186757228ED}" type="datetimeFigureOut">
+            <a:fld id="{D18C52A5-EB11-4527-8225-C573C70A78DD}" type="datetimeFigureOut">
               <a:rPr lang="zh-CN" altLang="en-US" smtClean="0"/>
               <a:t>2024/3/10</a:t>
             </a:fld>
@@ -671,7 +671,7 @@
           <p:cNvPr id="5" name="页脚占位符 4">
             <a:extLst>
               <a:ext uri="{FF2B5EF4-FFF2-40B4-BE49-F238E27FC236}">
-                <a16:creationId xmlns:a16="http://schemas.microsoft.com/office/drawing/2014/main" id="{4502006A-B769-E312-26E6-B36E7BC4A064}"/>
+                <a16:creationId xmlns:a16="http://schemas.microsoft.com/office/drawing/2014/main" id="{9981F018-AD49-1843-BE5D-AF042158220C}"/>
               </a:ext>
             </a:extLst>
           </p:cNvPr>
@@ -696,7 +696,7 @@
           <p:cNvPr id="6" name="灯片编号占位符 5">
             <a:extLst>
               <a:ext uri="{FF2B5EF4-FFF2-40B4-BE49-F238E27FC236}">
-                <a16:creationId xmlns:a16="http://schemas.microsoft.com/office/drawing/2014/main" id="{83A3CF11-2A5E-75E5-1325-57E246DC1818}"/>
+                <a16:creationId xmlns:a16="http://schemas.microsoft.com/office/drawing/2014/main" id="{A4247681-2660-A8C8-E13F-63F2EAD85176}"/>
               </a:ext>
             </a:extLst>
           </p:cNvPr>
@@ -712,7 +712,7 @@
           <a:bodyPr/>
           <a:lstStyle/>
           <a:p>
-            <a:fld id="{5CAD850A-E263-41A4-B4C7-C6335412CD7F}" type="slidenum">
+            <a:fld id="{B4A0943E-9032-46AC-9712-1F43395486DD}" type="slidenum">
               <a:rPr lang="zh-CN" altLang="en-US" smtClean="0"/>
               <a:t>‹#›</a:t>
             </a:fld>
@@ -723,7 +723,7 @@
     </p:spTree>
     <p:extLst>
       <p:ext uri="{BB962C8B-B14F-4D97-AF65-F5344CB8AC3E}">
-        <p14:creationId xmlns:p14="http://schemas.microsoft.com/office/powerpoint/2010/main" val="2761103896"/>
+        <p14:creationId xmlns:p14="http://schemas.microsoft.com/office/powerpoint/2010/main" val="419845876"/>
       </p:ext>
     </p:extLst>
   </p:cSld>
@@ -755,7 +755,7 @@
           <p:cNvPr id="2" name="标题 1">
             <a:extLst>
               <a:ext uri="{FF2B5EF4-FFF2-40B4-BE49-F238E27FC236}">
-                <a16:creationId xmlns:a16="http://schemas.microsoft.com/office/drawing/2014/main" id="{B4F288D3-AA2E-A2D8-9847-9EBACE617FBA}"/>
+                <a16:creationId xmlns:a16="http://schemas.microsoft.com/office/drawing/2014/main" id="{58196CBF-936D-841B-0579-E6AE9254CFDC}"/>
               </a:ext>
             </a:extLst>
           </p:cNvPr>
@@ -783,7 +783,7 @@
           <p:cNvPr id="3" name="内容占位符 2">
             <a:extLst>
               <a:ext uri="{FF2B5EF4-FFF2-40B4-BE49-F238E27FC236}">
-                <a16:creationId xmlns:a16="http://schemas.microsoft.com/office/drawing/2014/main" id="{DCBF2A1D-B67F-7E05-98B6-6596F647432F}"/>
+                <a16:creationId xmlns:a16="http://schemas.microsoft.com/office/drawing/2014/main" id="{F44901AA-273B-2B5B-3978-E6A6EFF3604A}"/>
               </a:ext>
             </a:extLst>
           </p:cNvPr>
@@ -840,7 +840,7 @@
           <p:cNvPr id="4" name="日期占位符 3">
             <a:extLst>
               <a:ext uri="{FF2B5EF4-FFF2-40B4-BE49-F238E27FC236}">
-                <a16:creationId xmlns:a16="http://schemas.microsoft.com/office/drawing/2014/main" id="{F3A7F957-3724-252B-59B3-7B3DF456587E}"/>
+                <a16:creationId xmlns:a16="http://schemas.microsoft.com/office/drawing/2014/main" id="{003CF51F-5A16-C93D-A5C1-232FEE5F6B88}"/>
               </a:ext>
             </a:extLst>
           </p:cNvPr>
@@ -856,7 +856,7 @@
           <a:bodyPr/>
           <a:lstStyle/>
           <a:p>
-            <a:fld id="{13B24BC2-4D11-4A27-8F77-6186757228ED}" type="datetimeFigureOut">
+            <a:fld id="{D18C52A5-EB11-4527-8225-C573C70A78DD}" type="datetimeFigureOut">
               <a:rPr lang="zh-CN" altLang="en-US" smtClean="0"/>
               <a:t>2024/3/10</a:t>
             </a:fld>
@@ -869,7 +869,7 @@
           <p:cNvPr id="5" name="页脚占位符 4">
             <a:extLst>
               <a:ext uri="{FF2B5EF4-FFF2-40B4-BE49-F238E27FC236}">
-                <a16:creationId xmlns:a16="http://schemas.microsoft.com/office/drawing/2014/main" id="{439AE2AA-D791-E4CD-023A-688923DDFC3F}"/>
+                <a16:creationId xmlns:a16="http://schemas.microsoft.com/office/drawing/2014/main" id="{ABCA3700-78CF-BB19-5C51-DF60DA541381}"/>
               </a:ext>
             </a:extLst>
           </p:cNvPr>
@@ -894,7 +894,7 @@
           <p:cNvPr id="6" name="灯片编号占位符 5">
             <a:extLst>
               <a:ext uri="{FF2B5EF4-FFF2-40B4-BE49-F238E27FC236}">
-                <a16:creationId xmlns:a16="http://schemas.microsoft.com/office/drawing/2014/main" id="{331DDA06-DDE1-3D14-0861-983C159900D6}"/>
+                <a16:creationId xmlns:a16="http://schemas.microsoft.com/office/drawing/2014/main" id="{0F461EAE-3165-6CA3-60CC-BF2AEC935086}"/>
               </a:ext>
             </a:extLst>
           </p:cNvPr>
@@ -910,7 +910,7 @@
           <a:bodyPr/>
           <a:lstStyle/>
           <a:p>
-            <a:fld id="{5CAD850A-E263-41A4-B4C7-C6335412CD7F}" type="slidenum">
+            <a:fld id="{B4A0943E-9032-46AC-9712-1F43395486DD}" type="slidenum">
               <a:rPr lang="zh-CN" altLang="en-US" smtClean="0"/>
               <a:t>‹#›</a:t>
             </a:fld>
@@ -921,7 +921,7 @@
     </p:spTree>
     <p:extLst>
       <p:ext uri="{BB962C8B-B14F-4D97-AF65-F5344CB8AC3E}">
-        <p14:creationId xmlns:p14="http://schemas.microsoft.com/office/powerpoint/2010/main" val="142312751"/>
+        <p14:creationId xmlns:p14="http://schemas.microsoft.com/office/powerpoint/2010/main" val="3612906454"/>
       </p:ext>
     </p:extLst>
   </p:cSld>
@@ -953,7 +953,7 @@
           <p:cNvPr id="2" name="标题 1">
             <a:extLst>
               <a:ext uri="{FF2B5EF4-FFF2-40B4-BE49-F238E27FC236}">
-                <a16:creationId xmlns:a16="http://schemas.microsoft.com/office/drawing/2014/main" id="{1D0649DD-A124-B2EF-A30D-4D40973F249E}"/>
+                <a16:creationId xmlns:a16="http://schemas.microsoft.com/office/drawing/2014/main" id="{FA096EAF-535E-48C7-3382-3B10FD7DE883}"/>
               </a:ext>
             </a:extLst>
           </p:cNvPr>
@@ -990,7 +990,7 @@
           <p:cNvPr id="3" name="文本占位符 2">
             <a:extLst>
               <a:ext uri="{FF2B5EF4-FFF2-40B4-BE49-F238E27FC236}">
-                <a16:creationId xmlns:a16="http://schemas.microsoft.com/office/drawing/2014/main" id="{D9615F2D-9741-A519-D960-9524A18EE5A7}"/>
+                <a16:creationId xmlns:a16="http://schemas.microsoft.com/office/drawing/2014/main" id="{C6564D21-7110-00C9-D19A-2F4CBA9B9B12}"/>
               </a:ext>
             </a:extLst>
           </p:cNvPr>
@@ -1115,7 +1115,7 @@
           <p:cNvPr id="4" name="日期占位符 3">
             <a:extLst>
               <a:ext uri="{FF2B5EF4-FFF2-40B4-BE49-F238E27FC236}">
-                <a16:creationId xmlns:a16="http://schemas.microsoft.com/office/drawing/2014/main" id="{0EDAFBFA-3A85-804C-DC9F-82395AA31C53}"/>
+                <a16:creationId xmlns:a16="http://schemas.microsoft.com/office/drawing/2014/main" id="{F716ABC3-4AA0-E0F4-478D-9F7A47E3A472}"/>
               </a:ext>
             </a:extLst>
           </p:cNvPr>
@@ -1131,7 +1131,7 @@
           <a:bodyPr/>
           <a:lstStyle/>
           <a:p>
-            <a:fld id="{13B24BC2-4D11-4A27-8F77-6186757228ED}" type="datetimeFigureOut">
+            <a:fld id="{D18C52A5-EB11-4527-8225-C573C70A78DD}" type="datetimeFigureOut">
               <a:rPr lang="zh-CN" altLang="en-US" smtClean="0"/>
               <a:t>2024/3/10</a:t>
             </a:fld>
@@ -1144,7 +1144,7 @@
           <p:cNvPr id="5" name="页脚占位符 4">
             <a:extLst>
               <a:ext uri="{FF2B5EF4-FFF2-40B4-BE49-F238E27FC236}">
-                <a16:creationId xmlns:a16="http://schemas.microsoft.com/office/drawing/2014/main" id="{A6F244B9-A5AF-39A1-9B07-751578A174F8}"/>
+                <a16:creationId xmlns:a16="http://schemas.microsoft.com/office/drawing/2014/main" id="{E8C1C423-994E-8BA3-1413-D8BBDA7CA2D4}"/>
               </a:ext>
             </a:extLst>
           </p:cNvPr>
@@ -1169,7 +1169,7 @@
           <p:cNvPr id="6" name="灯片编号占位符 5">
             <a:extLst>
               <a:ext uri="{FF2B5EF4-FFF2-40B4-BE49-F238E27FC236}">
-                <a16:creationId xmlns:a16="http://schemas.microsoft.com/office/drawing/2014/main" id="{6F4ACD2C-561B-5306-0AF8-6D436ABA9980}"/>
+                <a16:creationId xmlns:a16="http://schemas.microsoft.com/office/drawing/2014/main" id="{C84A6D29-11C7-EAC0-D787-E239735A71F7}"/>
               </a:ext>
             </a:extLst>
           </p:cNvPr>
@@ -1185,7 +1185,7 @@
           <a:bodyPr/>
           <a:lstStyle/>
           <a:p>
-            <a:fld id="{5CAD850A-E263-41A4-B4C7-C6335412CD7F}" type="slidenum">
+            <a:fld id="{B4A0943E-9032-46AC-9712-1F43395486DD}" type="slidenum">
               <a:rPr lang="zh-CN" altLang="en-US" smtClean="0"/>
               <a:t>‹#›</a:t>
             </a:fld>
@@ -1196,7 +1196,7 @@
     </p:spTree>
     <p:extLst>
       <p:ext uri="{BB962C8B-B14F-4D97-AF65-F5344CB8AC3E}">
-        <p14:creationId xmlns:p14="http://schemas.microsoft.com/office/powerpoint/2010/main" val="4290923732"/>
+        <p14:creationId xmlns:p14="http://schemas.microsoft.com/office/powerpoint/2010/main" val="214958134"/>
       </p:ext>
     </p:extLst>
   </p:cSld>
@@ -1228,7 +1228,7 @@
           <p:cNvPr id="2" name="标题 1">
             <a:extLst>
               <a:ext uri="{FF2B5EF4-FFF2-40B4-BE49-F238E27FC236}">
-                <a16:creationId xmlns:a16="http://schemas.microsoft.com/office/drawing/2014/main" id="{0259F196-93D5-2ABA-DD2C-BC97912EE27C}"/>
+                <a16:creationId xmlns:a16="http://schemas.microsoft.com/office/drawing/2014/main" id="{2440E632-07A7-39E9-7CB2-1FDF9B84456E}"/>
               </a:ext>
             </a:extLst>
           </p:cNvPr>
@@ -1256,7 +1256,7 @@
           <p:cNvPr id="3" name="内容占位符 2">
             <a:extLst>
               <a:ext uri="{FF2B5EF4-FFF2-40B4-BE49-F238E27FC236}">
-                <a16:creationId xmlns:a16="http://schemas.microsoft.com/office/drawing/2014/main" id="{F4C8025D-7B8D-201D-345B-79AE1B3F81FD}"/>
+                <a16:creationId xmlns:a16="http://schemas.microsoft.com/office/drawing/2014/main" id="{2A0671AF-45C4-4F42-73FD-EF6268A6CBAA}"/>
               </a:ext>
             </a:extLst>
           </p:cNvPr>
@@ -1318,7 +1318,7 @@
           <p:cNvPr id="4" name="内容占位符 3">
             <a:extLst>
               <a:ext uri="{FF2B5EF4-FFF2-40B4-BE49-F238E27FC236}">
-                <a16:creationId xmlns:a16="http://schemas.microsoft.com/office/drawing/2014/main" id="{008B4E7B-8793-7CF8-5813-F02740D43C4D}"/>
+                <a16:creationId xmlns:a16="http://schemas.microsoft.com/office/drawing/2014/main" id="{8A0665B3-B002-8AF5-C505-9503C6143169}"/>
               </a:ext>
             </a:extLst>
           </p:cNvPr>
@@ -1380,7 +1380,7 @@
           <p:cNvPr id="5" name="日期占位符 4">
             <a:extLst>
               <a:ext uri="{FF2B5EF4-FFF2-40B4-BE49-F238E27FC236}">
-                <a16:creationId xmlns:a16="http://schemas.microsoft.com/office/drawing/2014/main" id="{AAB754AC-2CF8-152E-C43D-45472CDA5EC5}"/>
+                <a16:creationId xmlns:a16="http://schemas.microsoft.com/office/drawing/2014/main" id="{88C24DEC-1CEB-0EEB-673B-F17A33A42E7E}"/>
               </a:ext>
             </a:extLst>
           </p:cNvPr>
@@ -1396,7 +1396,7 @@
           <a:bodyPr/>
           <a:lstStyle/>
           <a:p>
-            <a:fld id="{13B24BC2-4D11-4A27-8F77-6186757228ED}" type="datetimeFigureOut">
+            <a:fld id="{D18C52A5-EB11-4527-8225-C573C70A78DD}" type="datetimeFigureOut">
               <a:rPr lang="zh-CN" altLang="en-US" smtClean="0"/>
               <a:t>2024/3/10</a:t>
             </a:fld>
@@ -1409,7 +1409,7 @@
           <p:cNvPr id="6" name="页脚占位符 5">
             <a:extLst>
               <a:ext uri="{FF2B5EF4-FFF2-40B4-BE49-F238E27FC236}">
-                <a16:creationId xmlns:a16="http://schemas.microsoft.com/office/drawing/2014/main" id="{D43623D2-9F4F-E1DE-0751-326D07B37F67}"/>
+                <a16:creationId xmlns:a16="http://schemas.microsoft.com/office/drawing/2014/main" id="{CD6FAE2D-F17C-23A2-8C16-79A65C28AFFF}"/>
               </a:ext>
             </a:extLst>
           </p:cNvPr>
@@ -1434,7 +1434,7 @@
           <p:cNvPr id="7" name="灯片编号占位符 6">
             <a:extLst>
               <a:ext uri="{FF2B5EF4-FFF2-40B4-BE49-F238E27FC236}">
-                <a16:creationId xmlns:a16="http://schemas.microsoft.com/office/drawing/2014/main" id="{8C45D69E-6772-CC71-A166-3570136851C7}"/>
+                <a16:creationId xmlns:a16="http://schemas.microsoft.com/office/drawing/2014/main" id="{C1F56C14-E429-651C-EC1E-F3EA970B56A8}"/>
               </a:ext>
             </a:extLst>
           </p:cNvPr>
@@ -1450,7 +1450,7 @@
           <a:bodyPr/>
           <a:lstStyle/>
           <a:p>
-            <a:fld id="{5CAD850A-E263-41A4-B4C7-C6335412CD7F}" type="slidenum">
+            <a:fld id="{B4A0943E-9032-46AC-9712-1F43395486DD}" type="slidenum">
               <a:rPr lang="zh-CN" altLang="en-US" smtClean="0"/>
               <a:t>‹#›</a:t>
             </a:fld>
@@ -1461,7 +1461,7 @@
     </p:spTree>
     <p:extLst>
       <p:ext uri="{BB962C8B-B14F-4D97-AF65-F5344CB8AC3E}">
-        <p14:creationId xmlns:p14="http://schemas.microsoft.com/office/powerpoint/2010/main" val="4112027379"/>
+        <p14:creationId xmlns:p14="http://schemas.microsoft.com/office/powerpoint/2010/main" val="1468045413"/>
       </p:ext>
     </p:extLst>
   </p:cSld>
@@ -1493,7 +1493,7 @@
           <p:cNvPr id="2" name="标题 1">
             <a:extLst>
               <a:ext uri="{FF2B5EF4-FFF2-40B4-BE49-F238E27FC236}">
-                <a16:creationId xmlns:a16="http://schemas.microsoft.com/office/drawing/2014/main" id="{B731CA03-812B-1413-B011-BFA4123FE26F}"/>
+                <a16:creationId xmlns:a16="http://schemas.microsoft.com/office/drawing/2014/main" id="{498C357B-D866-E04C-4205-B19BC07364B0}"/>
               </a:ext>
             </a:extLst>
           </p:cNvPr>
@@ -1526,7 +1526,7 @@
           <p:cNvPr id="3" name="文本占位符 2">
             <a:extLst>
               <a:ext uri="{FF2B5EF4-FFF2-40B4-BE49-F238E27FC236}">
-                <a16:creationId xmlns:a16="http://schemas.microsoft.com/office/drawing/2014/main" id="{8C83BC54-DAA8-E5D6-8C1E-7BC84A13856D}"/>
+                <a16:creationId xmlns:a16="http://schemas.microsoft.com/office/drawing/2014/main" id="{2866FD75-8089-8502-57EF-FC45952AB43B}"/>
               </a:ext>
             </a:extLst>
           </p:cNvPr>
@@ -1597,7 +1597,7 @@
           <p:cNvPr id="4" name="内容占位符 3">
             <a:extLst>
               <a:ext uri="{FF2B5EF4-FFF2-40B4-BE49-F238E27FC236}">
-                <a16:creationId xmlns:a16="http://schemas.microsoft.com/office/drawing/2014/main" id="{B2ED5B06-FA35-652E-900E-60852A0F5738}"/>
+                <a16:creationId xmlns:a16="http://schemas.microsoft.com/office/drawing/2014/main" id="{3DB9B4FA-A8B0-6248-393C-495B0BEC7E50}"/>
               </a:ext>
             </a:extLst>
           </p:cNvPr>
@@ -1659,7 +1659,7 @@
           <p:cNvPr id="5" name="文本占位符 4">
             <a:extLst>
               <a:ext uri="{FF2B5EF4-FFF2-40B4-BE49-F238E27FC236}">
-                <a16:creationId xmlns:a16="http://schemas.microsoft.com/office/drawing/2014/main" id="{6530C430-847C-183D-77FC-F42C1AC4D522}"/>
+                <a16:creationId xmlns:a16="http://schemas.microsoft.com/office/drawing/2014/main" id="{3499B397-1C9C-06A4-682F-99DCA13A685F}"/>
               </a:ext>
             </a:extLst>
           </p:cNvPr>
@@ -1730,7 +1730,7 @@
           <p:cNvPr id="6" name="内容占位符 5">
             <a:extLst>
               <a:ext uri="{FF2B5EF4-FFF2-40B4-BE49-F238E27FC236}">
-                <a16:creationId xmlns:a16="http://schemas.microsoft.com/office/drawing/2014/main" id="{AAEED11D-2B7D-9D95-773C-37BBF5EBB636}"/>
+                <a16:creationId xmlns:a16="http://schemas.microsoft.com/office/drawing/2014/main" id="{869E65B3-7A79-920D-9936-D8FD5C51BB81}"/>
               </a:ext>
             </a:extLst>
           </p:cNvPr>
@@ -1792,7 +1792,7 @@
           <p:cNvPr id="7" name="日期占位符 6">
             <a:extLst>
               <a:ext uri="{FF2B5EF4-FFF2-40B4-BE49-F238E27FC236}">
-                <a16:creationId xmlns:a16="http://schemas.microsoft.com/office/drawing/2014/main" id="{7AFB3DC6-4220-5184-BDF6-62C54CDB5ED3}"/>
+                <a16:creationId xmlns:a16="http://schemas.microsoft.com/office/drawing/2014/main" id="{0904540B-15ED-6061-CA9C-6BE055192446}"/>
               </a:ext>
             </a:extLst>
           </p:cNvPr>
@@ -1808,7 +1808,7 @@
           <a:bodyPr/>
           <a:lstStyle/>
           <a:p>
-            <a:fld id="{13B24BC2-4D11-4A27-8F77-6186757228ED}" type="datetimeFigureOut">
+            <a:fld id="{D18C52A5-EB11-4527-8225-C573C70A78DD}" type="datetimeFigureOut">
               <a:rPr lang="zh-CN" altLang="en-US" smtClean="0"/>
               <a:t>2024/3/10</a:t>
             </a:fld>
@@ -1821,7 +1821,7 @@
           <p:cNvPr id="8" name="页脚占位符 7">
             <a:extLst>
               <a:ext uri="{FF2B5EF4-FFF2-40B4-BE49-F238E27FC236}">
-                <a16:creationId xmlns:a16="http://schemas.microsoft.com/office/drawing/2014/main" id="{8F027E90-1FF4-E3A9-753F-894CA2543852}"/>
+                <a16:creationId xmlns:a16="http://schemas.microsoft.com/office/drawing/2014/main" id="{F7133B34-4BC5-21C8-CB09-F66E30C61CC4}"/>
               </a:ext>
             </a:extLst>
           </p:cNvPr>
@@ -1846,7 +1846,7 @@
           <p:cNvPr id="9" name="灯片编号占位符 8">
             <a:extLst>
               <a:ext uri="{FF2B5EF4-FFF2-40B4-BE49-F238E27FC236}">
-                <a16:creationId xmlns:a16="http://schemas.microsoft.com/office/drawing/2014/main" id="{DEEF8CED-3CE9-575D-BC4A-3E3F28CB706C}"/>
+                <a16:creationId xmlns:a16="http://schemas.microsoft.com/office/drawing/2014/main" id="{6F7C3B3B-9D47-0A13-5A12-354877A85F10}"/>
               </a:ext>
             </a:extLst>
           </p:cNvPr>
@@ -1862,7 +1862,7 @@
           <a:bodyPr/>
           <a:lstStyle/>
           <a:p>
-            <a:fld id="{5CAD850A-E263-41A4-B4C7-C6335412CD7F}" type="slidenum">
+            <a:fld id="{B4A0943E-9032-46AC-9712-1F43395486DD}" type="slidenum">
               <a:rPr lang="zh-CN" altLang="en-US" smtClean="0"/>
               <a:t>‹#›</a:t>
             </a:fld>
@@ -1873,7 +1873,7 @@
     </p:spTree>
     <p:extLst>
       <p:ext uri="{BB962C8B-B14F-4D97-AF65-F5344CB8AC3E}">
-        <p14:creationId xmlns:p14="http://schemas.microsoft.com/office/powerpoint/2010/main" val="817056499"/>
+        <p14:creationId xmlns:p14="http://schemas.microsoft.com/office/powerpoint/2010/main" val="2957653212"/>
       </p:ext>
     </p:extLst>
   </p:cSld>
@@ -1905,7 +1905,7 @@
           <p:cNvPr id="2" name="标题 1">
             <a:extLst>
               <a:ext uri="{FF2B5EF4-FFF2-40B4-BE49-F238E27FC236}">
-                <a16:creationId xmlns:a16="http://schemas.microsoft.com/office/drawing/2014/main" id="{BF8A927C-8D8D-6F5D-5EF4-479BD5F3E22F}"/>
+                <a16:creationId xmlns:a16="http://schemas.microsoft.com/office/drawing/2014/main" id="{90D47000-0EC1-C9C0-77C2-59757DA1B3F0}"/>
               </a:ext>
             </a:extLst>
           </p:cNvPr>
@@ -1933,7 +1933,7 @@
           <p:cNvPr id="3" name="日期占位符 2">
             <a:extLst>
               <a:ext uri="{FF2B5EF4-FFF2-40B4-BE49-F238E27FC236}">
-                <a16:creationId xmlns:a16="http://schemas.microsoft.com/office/drawing/2014/main" id="{3FB18FC2-C371-E27D-693F-86F85419292B}"/>
+                <a16:creationId xmlns:a16="http://schemas.microsoft.com/office/drawing/2014/main" id="{E2C6188F-BCBA-60FA-114D-818ABC537404}"/>
               </a:ext>
             </a:extLst>
           </p:cNvPr>
@@ -1949,7 +1949,7 @@
           <a:bodyPr/>
           <a:lstStyle/>
           <a:p>
-            <a:fld id="{13B24BC2-4D11-4A27-8F77-6186757228ED}" type="datetimeFigureOut">
+            <a:fld id="{D18C52A5-EB11-4527-8225-C573C70A78DD}" type="datetimeFigureOut">
               <a:rPr lang="zh-CN" altLang="en-US" smtClean="0"/>
               <a:t>2024/3/10</a:t>
             </a:fld>
@@ -1962,7 +1962,7 @@
           <p:cNvPr id="4" name="页脚占位符 3">
             <a:extLst>
               <a:ext uri="{FF2B5EF4-FFF2-40B4-BE49-F238E27FC236}">
-                <a16:creationId xmlns:a16="http://schemas.microsoft.com/office/drawing/2014/main" id="{AD2A1B6F-FFD3-8E30-8496-E28E4DD03D83}"/>
+                <a16:creationId xmlns:a16="http://schemas.microsoft.com/office/drawing/2014/main" id="{1A244A99-C271-B6F1-16CD-1ED996FBB4A6}"/>
               </a:ext>
             </a:extLst>
           </p:cNvPr>
@@ -1987,7 +1987,7 @@
           <p:cNvPr id="5" name="灯片编号占位符 4">
             <a:extLst>
               <a:ext uri="{FF2B5EF4-FFF2-40B4-BE49-F238E27FC236}">
-                <a16:creationId xmlns:a16="http://schemas.microsoft.com/office/drawing/2014/main" id="{0921CEFC-9514-96D6-E810-078341BFD845}"/>
+                <a16:creationId xmlns:a16="http://schemas.microsoft.com/office/drawing/2014/main" id="{4989CAC2-0D9B-8973-0B89-565F95802EBE}"/>
               </a:ext>
             </a:extLst>
           </p:cNvPr>
@@ -2003,7 +2003,7 @@
           <a:bodyPr/>
           <a:lstStyle/>
           <a:p>
-            <a:fld id="{5CAD850A-E263-41A4-B4C7-C6335412CD7F}" type="slidenum">
+            <a:fld id="{B4A0943E-9032-46AC-9712-1F43395486DD}" type="slidenum">
               <a:rPr lang="zh-CN" altLang="en-US" smtClean="0"/>
               <a:t>‹#›</a:t>
             </a:fld>
@@ -2014,7 +2014,7 @@
     </p:spTree>
     <p:extLst>
       <p:ext uri="{BB962C8B-B14F-4D97-AF65-F5344CB8AC3E}">
-        <p14:creationId xmlns:p14="http://schemas.microsoft.com/office/powerpoint/2010/main" val="2526360165"/>
+        <p14:creationId xmlns:p14="http://schemas.microsoft.com/office/powerpoint/2010/main" val="2630453266"/>
       </p:ext>
     </p:extLst>
   </p:cSld>
@@ -2046,7 +2046,7 @@
           <p:cNvPr id="2" name="日期占位符 1">
             <a:extLst>
               <a:ext uri="{FF2B5EF4-FFF2-40B4-BE49-F238E27FC236}">
-                <a16:creationId xmlns:a16="http://schemas.microsoft.com/office/drawing/2014/main" id="{BF01631A-8840-B3DB-3CA1-A9652AE006F9}"/>
+                <a16:creationId xmlns:a16="http://schemas.microsoft.com/office/drawing/2014/main" id="{E63CB398-D53F-C96E-1177-FE113F940517}"/>
               </a:ext>
             </a:extLst>
           </p:cNvPr>
@@ -2062,7 +2062,7 @@
           <a:bodyPr/>
           <a:lstStyle/>
           <a:p>
-            <a:fld id="{13B24BC2-4D11-4A27-8F77-6186757228ED}" type="datetimeFigureOut">
+            <a:fld id="{D18C52A5-EB11-4527-8225-C573C70A78DD}" type="datetimeFigureOut">
               <a:rPr lang="zh-CN" altLang="en-US" smtClean="0"/>
               <a:t>2024/3/10</a:t>
             </a:fld>
@@ -2075,7 +2075,7 @@
           <p:cNvPr id="3" name="页脚占位符 2">
             <a:extLst>
               <a:ext uri="{FF2B5EF4-FFF2-40B4-BE49-F238E27FC236}">
-                <a16:creationId xmlns:a16="http://schemas.microsoft.com/office/drawing/2014/main" id="{17D2D439-9891-BDA4-68E9-627F2F263E87}"/>
+                <a16:creationId xmlns:a16="http://schemas.microsoft.com/office/drawing/2014/main" id="{9EFF03BD-A961-E37F-5AAE-18882E10F53F}"/>
               </a:ext>
             </a:extLst>
           </p:cNvPr>
@@ -2100,7 +2100,7 @@
           <p:cNvPr id="4" name="灯片编号占位符 3">
             <a:extLst>
               <a:ext uri="{FF2B5EF4-FFF2-40B4-BE49-F238E27FC236}">
-                <a16:creationId xmlns:a16="http://schemas.microsoft.com/office/drawing/2014/main" id="{E3208DFE-0788-2E4F-A6B4-6CB30C12FED5}"/>
+                <a16:creationId xmlns:a16="http://schemas.microsoft.com/office/drawing/2014/main" id="{DA608B26-3B68-4A49-F4CB-7D010B4C2A89}"/>
               </a:ext>
             </a:extLst>
           </p:cNvPr>
@@ -2116,7 +2116,7 @@
           <a:bodyPr/>
           <a:lstStyle/>
           <a:p>
-            <a:fld id="{5CAD850A-E263-41A4-B4C7-C6335412CD7F}" type="slidenum">
+            <a:fld id="{B4A0943E-9032-46AC-9712-1F43395486DD}" type="slidenum">
               <a:rPr lang="zh-CN" altLang="en-US" smtClean="0"/>
               <a:t>‹#›</a:t>
             </a:fld>
@@ -2127,7 +2127,7 @@
     </p:spTree>
     <p:extLst>
       <p:ext uri="{BB962C8B-B14F-4D97-AF65-F5344CB8AC3E}">
-        <p14:creationId xmlns:p14="http://schemas.microsoft.com/office/powerpoint/2010/main" val="3934573033"/>
+        <p14:creationId xmlns:p14="http://schemas.microsoft.com/office/powerpoint/2010/main" val="3724258625"/>
       </p:ext>
     </p:extLst>
   </p:cSld>
@@ -2159,7 +2159,7 @@
           <p:cNvPr id="2" name="标题 1">
             <a:extLst>
               <a:ext uri="{FF2B5EF4-FFF2-40B4-BE49-F238E27FC236}">
-                <a16:creationId xmlns:a16="http://schemas.microsoft.com/office/drawing/2014/main" id="{B6608A82-F30C-FFF5-7957-1370124AD040}"/>
+                <a16:creationId xmlns:a16="http://schemas.microsoft.com/office/drawing/2014/main" id="{68972DF4-7617-FF54-68A5-4F874CA66D86}"/>
               </a:ext>
             </a:extLst>
           </p:cNvPr>
@@ -2196,7 +2196,7 @@
           <p:cNvPr id="3" name="内容占位符 2">
             <a:extLst>
               <a:ext uri="{FF2B5EF4-FFF2-40B4-BE49-F238E27FC236}">
-                <a16:creationId xmlns:a16="http://schemas.microsoft.com/office/drawing/2014/main" id="{38D9D995-738A-C481-7CAA-B03F100CD4DF}"/>
+                <a16:creationId xmlns:a16="http://schemas.microsoft.com/office/drawing/2014/main" id="{0EFB7688-1975-AD4F-9245-1CCC8A017FB9}"/>
               </a:ext>
             </a:extLst>
           </p:cNvPr>
@@ -2286,7 +2286,7 @@
           <p:cNvPr id="4" name="文本占位符 3">
             <a:extLst>
               <a:ext uri="{FF2B5EF4-FFF2-40B4-BE49-F238E27FC236}">
-                <a16:creationId xmlns:a16="http://schemas.microsoft.com/office/drawing/2014/main" id="{CC2FFEEA-764D-7F8F-A7C7-A93F4F001D13}"/>
+                <a16:creationId xmlns:a16="http://schemas.microsoft.com/office/drawing/2014/main" id="{7E6E324D-8818-46D7-BAFE-48F43A3B4325}"/>
               </a:ext>
             </a:extLst>
           </p:cNvPr>
@@ -2357,7 +2357,7 @@
           <p:cNvPr id="5" name="日期占位符 4">
             <a:extLst>
               <a:ext uri="{FF2B5EF4-FFF2-40B4-BE49-F238E27FC236}">
-                <a16:creationId xmlns:a16="http://schemas.microsoft.com/office/drawing/2014/main" id="{B974E859-5DBF-FCD4-5277-B344434294AB}"/>
+                <a16:creationId xmlns:a16="http://schemas.microsoft.com/office/drawing/2014/main" id="{D81DDDB6-87D3-58DE-650D-9E132973217E}"/>
               </a:ext>
             </a:extLst>
           </p:cNvPr>
@@ -2373,7 +2373,7 @@
           <a:bodyPr/>
           <a:lstStyle/>
           <a:p>
-            <a:fld id="{13B24BC2-4D11-4A27-8F77-6186757228ED}" type="datetimeFigureOut">
+            <a:fld id="{D18C52A5-EB11-4527-8225-C573C70A78DD}" type="datetimeFigureOut">
               <a:rPr lang="zh-CN" altLang="en-US" smtClean="0"/>
               <a:t>2024/3/10</a:t>
             </a:fld>
@@ -2386,7 +2386,7 @@
           <p:cNvPr id="6" name="页脚占位符 5">
             <a:extLst>
               <a:ext uri="{FF2B5EF4-FFF2-40B4-BE49-F238E27FC236}">
-                <a16:creationId xmlns:a16="http://schemas.microsoft.com/office/drawing/2014/main" id="{539027D6-61EA-384A-5204-652482DBDDAC}"/>
+                <a16:creationId xmlns:a16="http://schemas.microsoft.com/office/drawing/2014/main" id="{10D4C707-9AB5-AE77-7BBD-54470CF075D4}"/>
               </a:ext>
             </a:extLst>
           </p:cNvPr>
@@ -2411,7 +2411,7 @@
           <p:cNvPr id="7" name="灯片编号占位符 6">
             <a:extLst>
               <a:ext uri="{FF2B5EF4-FFF2-40B4-BE49-F238E27FC236}">
-                <a16:creationId xmlns:a16="http://schemas.microsoft.com/office/drawing/2014/main" id="{C67CB79B-3A77-AEC3-4D16-18DDA24F84D8}"/>
+                <a16:creationId xmlns:a16="http://schemas.microsoft.com/office/drawing/2014/main" id="{7BD33CEA-40F7-06EC-6729-5428038E7D9E}"/>
               </a:ext>
             </a:extLst>
           </p:cNvPr>
@@ -2427,7 +2427,7 @@
           <a:bodyPr/>
           <a:lstStyle/>
           <a:p>
-            <a:fld id="{5CAD850A-E263-41A4-B4C7-C6335412CD7F}" type="slidenum">
+            <a:fld id="{B4A0943E-9032-46AC-9712-1F43395486DD}" type="slidenum">
               <a:rPr lang="zh-CN" altLang="en-US" smtClean="0"/>
               <a:t>‹#›</a:t>
             </a:fld>
@@ -2438,7 +2438,7 @@
     </p:spTree>
     <p:extLst>
       <p:ext uri="{BB962C8B-B14F-4D97-AF65-F5344CB8AC3E}">
-        <p14:creationId xmlns:p14="http://schemas.microsoft.com/office/powerpoint/2010/main" val="172007902"/>
+        <p14:creationId xmlns:p14="http://schemas.microsoft.com/office/powerpoint/2010/main" val="3282289981"/>
       </p:ext>
     </p:extLst>
   </p:cSld>
@@ -2470,7 +2470,7 @@
           <p:cNvPr id="2" name="标题 1">
             <a:extLst>
               <a:ext uri="{FF2B5EF4-FFF2-40B4-BE49-F238E27FC236}">
-                <a16:creationId xmlns:a16="http://schemas.microsoft.com/office/drawing/2014/main" id="{07E7D02E-DD2D-E129-7A37-6B93DEE02B81}"/>
+                <a16:creationId xmlns:a16="http://schemas.microsoft.com/office/drawing/2014/main" id="{4C7635BD-8D3B-D5B5-19C2-EBFA993A26AA}"/>
               </a:ext>
             </a:extLst>
           </p:cNvPr>
@@ -2507,7 +2507,7 @@
           <p:cNvPr id="3" name="图片占位符 2">
             <a:extLst>
               <a:ext uri="{FF2B5EF4-FFF2-40B4-BE49-F238E27FC236}">
-                <a16:creationId xmlns:a16="http://schemas.microsoft.com/office/drawing/2014/main" id="{EC45A658-0F78-ED24-E315-2CD4850FF2BC}"/>
+                <a16:creationId xmlns:a16="http://schemas.microsoft.com/office/drawing/2014/main" id="{3C7A56EE-731B-7281-A310-34BB38A89C27}"/>
               </a:ext>
             </a:extLst>
           </p:cNvPr>
@@ -2574,7 +2574,7 @@
           <p:cNvPr id="4" name="文本占位符 3">
             <a:extLst>
               <a:ext uri="{FF2B5EF4-FFF2-40B4-BE49-F238E27FC236}">
-                <a16:creationId xmlns:a16="http://schemas.microsoft.com/office/drawing/2014/main" id="{C47404F1-93E1-9CB3-DF17-ED47CE5D2806}"/>
+                <a16:creationId xmlns:a16="http://schemas.microsoft.com/office/drawing/2014/main" id="{5C066DB7-2611-126B-B6A7-210076A00B36}"/>
               </a:ext>
             </a:extLst>
           </p:cNvPr>
@@ -2645,7 +2645,7 @@
           <p:cNvPr id="5" name="日期占位符 4">
             <a:extLst>
               <a:ext uri="{FF2B5EF4-FFF2-40B4-BE49-F238E27FC236}">
-                <a16:creationId xmlns:a16="http://schemas.microsoft.com/office/drawing/2014/main" id="{1BE4172C-5232-0A9F-FAED-2536DEBB7653}"/>
+                <a16:creationId xmlns:a16="http://schemas.microsoft.com/office/drawing/2014/main" id="{0AAA495D-FEC4-0880-A8CA-5534B9CDB12C}"/>
               </a:ext>
             </a:extLst>
           </p:cNvPr>
@@ -2661,7 +2661,7 @@
           <a:bodyPr/>
           <a:lstStyle/>
           <a:p>
-            <a:fld id="{13B24BC2-4D11-4A27-8F77-6186757228ED}" type="datetimeFigureOut">
+            <a:fld id="{D18C52A5-EB11-4527-8225-C573C70A78DD}" type="datetimeFigureOut">
               <a:rPr lang="zh-CN" altLang="en-US" smtClean="0"/>
               <a:t>2024/3/10</a:t>
             </a:fld>
@@ -2674,7 +2674,7 @@
           <p:cNvPr id="6" name="页脚占位符 5">
             <a:extLst>
               <a:ext uri="{FF2B5EF4-FFF2-40B4-BE49-F238E27FC236}">
-                <a16:creationId xmlns:a16="http://schemas.microsoft.com/office/drawing/2014/main" id="{27E02054-C1D0-C20B-B9AD-B7DDAB78D8B4}"/>
+                <a16:creationId xmlns:a16="http://schemas.microsoft.com/office/drawing/2014/main" id="{3DE22282-1DCD-685D-94BF-0FF821017C99}"/>
               </a:ext>
             </a:extLst>
           </p:cNvPr>
@@ -2699,7 +2699,7 @@
           <p:cNvPr id="7" name="灯片编号占位符 6">
             <a:extLst>
               <a:ext uri="{FF2B5EF4-FFF2-40B4-BE49-F238E27FC236}">
-                <a16:creationId xmlns:a16="http://schemas.microsoft.com/office/drawing/2014/main" id="{54B572D5-84E4-1E01-1B3E-BD59977D605A}"/>
+                <a16:creationId xmlns:a16="http://schemas.microsoft.com/office/drawing/2014/main" id="{B61D7E05-988D-1B12-7D03-E158BF5918FE}"/>
               </a:ext>
             </a:extLst>
           </p:cNvPr>
@@ -2715,7 +2715,7 @@
           <a:bodyPr/>
           <a:lstStyle/>
           <a:p>
-            <a:fld id="{5CAD850A-E263-41A4-B4C7-C6335412CD7F}" type="slidenum">
+            <a:fld id="{B4A0943E-9032-46AC-9712-1F43395486DD}" type="slidenum">
               <a:rPr lang="zh-CN" altLang="en-US" smtClean="0"/>
               <a:t>‹#›</a:t>
             </a:fld>
@@ -2726,7 +2726,7 @@
     </p:spTree>
     <p:extLst>
       <p:ext uri="{BB962C8B-B14F-4D97-AF65-F5344CB8AC3E}">
-        <p14:creationId xmlns:p14="http://schemas.microsoft.com/office/powerpoint/2010/main" val="1944383796"/>
+        <p14:creationId xmlns:p14="http://schemas.microsoft.com/office/powerpoint/2010/main" val="2357684421"/>
       </p:ext>
     </p:extLst>
   </p:cSld>
@@ -2763,7 +2763,7 @@
           <p:cNvPr id="2" name="标题占位符 1">
             <a:extLst>
               <a:ext uri="{FF2B5EF4-FFF2-40B4-BE49-F238E27FC236}">
-                <a16:creationId xmlns:a16="http://schemas.microsoft.com/office/drawing/2014/main" id="{DD493EC9-350D-CDCC-FDD5-538FA33C62B5}"/>
+                <a16:creationId xmlns:a16="http://schemas.microsoft.com/office/drawing/2014/main" id="{9B781F36-498B-3997-D434-B2BED0EA1DC1}"/>
               </a:ext>
             </a:extLst>
           </p:cNvPr>
@@ -2801,7 +2801,7 @@
           <p:cNvPr id="3" name="文本占位符 2">
             <a:extLst>
               <a:ext uri="{FF2B5EF4-FFF2-40B4-BE49-F238E27FC236}">
-                <a16:creationId xmlns:a16="http://schemas.microsoft.com/office/drawing/2014/main" id="{2AC8AD53-D54F-7D85-3691-D605C442391D}"/>
+                <a16:creationId xmlns:a16="http://schemas.microsoft.com/office/drawing/2014/main" id="{1A87D489-F3F0-1DDF-DAF4-6E5FE67504B2}"/>
               </a:ext>
             </a:extLst>
           </p:cNvPr>
@@ -2868,7 +2868,7 @@
           <p:cNvPr id="4" name="日期占位符 3">
             <a:extLst>
               <a:ext uri="{FF2B5EF4-FFF2-40B4-BE49-F238E27FC236}">
-                <a16:creationId xmlns:a16="http://schemas.microsoft.com/office/drawing/2014/main" id="{878B52DD-39C0-30E9-E636-659B1A85F92D}"/>
+                <a16:creationId xmlns:a16="http://schemas.microsoft.com/office/drawing/2014/main" id="{D46598B0-B974-71E2-DDFD-B0A9576E7668}"/>
               </a:ext>
             </a:extLst>
           </p:cNvPr>
@@ -2902,7 +2902,7 @@
             </a:lvl1pPr>
           </a:lstStyle>
           <a:p>
-            <a:fld id="{13B24BC2-4D11-4A27-8F77-6186757228ED}" type="datetimeFigureOut">
+            <a:fld id="{D18C52A5-EB11-4527-8225-C573C70A78DD}" type="datetimeFigureOut">
               <a:rPr lang="zh-CN" altLang="en-US" smtClean="0"/>
               <a:t>2024/3/10</a:t>
             </a:fld>
@@ -2915,7 +2915,7 @@
           <p:cNvPr id="5" name="页脚占位符 4">
             <a:extLst>
               <a:ext uri="{FF2B5EF4-FFF2-40B4-BE49-F238E27FC236}">
-                <a16:creationId xmlns:a16="http://schemas.microsoft.com/office/drawing/2014/main" id="{3391EA1E-C6E4-4F9F-E4FA-340113953397}"/>
+                <a16:creationId xmlns:a16="http://schemas.microsoft.com/office/drawing/2014/main" id="{367957C7-EE96-5959-DD27-1DB504E01EC9}"/>
               </a:ext>
             </a:extLst>
           </p:cNvPr>
@@ -2958,7 +2958,7 @@
           <p:cNvPr id="6" name="灯片编号占位符 5">
             <a:extLst>
               <a:ext uri="{FF2B5EF4-FFF2-40B4-BE49-F238E27FC236}">
-                <a16:creationId xmlns:a16="http://schemas.microsoft.com/office/drawing/2014/main" id="{EFCEADE5-47B4-7481-CE30-1EF7EC8682E5}"/>
+                <a16:creationId xmlns:a16="http://schemas.microsoft.com/office/drawing/2014/main" id="{9AA7D732-BE2A-056E-1080-9C979B48EA5A}"/>
               </a:ext>
             </a:extLst>
           </p:cNvPr>
@@ -2992,7 +2992,7 @@
             </a:lvl1pPr>
           </a:lstStyle>
           <a:p>
-            <a:fld id="{5CAD850A-E263-41A4-B4C7-C6335412CD7F}" type="slidenum">
+            <a:fld id="{B4A0943E-9032-46AC-9712-1F43395486DD}" type="slidenum">
               <a:rPr lang="zh-CN" altLang="en-US" smtClean="0"/>
               <a:t>‹#›</a:t>
             </a:fld>
@@ -3003,7 +3003,7 @@
     </p:spTree>
     <p:extLst>
       <p:ext uri="{BB962C8B-B14F-4D97-AF65-F5344CB8AC3E}">
-        <p14:creationId xmlns:p14="http://schemas.microsoft.com/office/powerpoint/2010/main" val="2684127017"/>
+        <p14:creationId xmlns:p14="http://schemas.microsoft.com/office/powerpoint/2010/main" val="4137750961"/>
       </p:ext>
     </p:extLst>
   </p:cSld>
